--- a/Short Term Business and Tourism in Saudi Arabia.pptx
+++ b/Short Term Business and Tourism in Saudi Arabia.pptx
@@ -5,7 +5,7 @@
     <p:sldMasterId id="2147483648" r:id="rId1"/>
   </p:sldMasterIdLst>
   <p:notesMasterIdLst>
-    <p:notesMasterId r:id="rId14"/>
+    <p:notesMasterId r:id="rId15"/>
   </p:notesMasterIdLst>
   <p:sldIdLst>
     <p:sldId id="256" r:id="rId2"/>
@@ -18,8 +18,9 @@
     <p:sldId id="262" r:id="rId9"/>
     <p:sldId id="263" r:id="rId10"/>
     <p:sldId id="264" r:id="rId11"/>
-    <p:sldId id="267" r:id="rId12"/>
+    <p:sldId id="269" r:id="rId12"/>
     <p:sldId id="265" r:id="rId13"/>
+    <p:sldId id="267" r:id="rId14"/>
   </p:sldIdLst>
   <p:sldSz cx="9144000" cy="5143500" type="screen16x9"/>
   <p:notesSz cx="6858000" cy="9144000"/>
@@ -7139,7 +7140,7 @@
 </file>
 
 <file path=ppt/slides/slide11.xml><?xml version="1.0" encoding="utf-8"?>
-<p:sld xmlns:a="http://schemas.openxmlformats.org/drawingml/2006/main" xmlns:r="http://schemas.openxmlformats.org/officeDocument/2006/relationships" xmlns:p="http://schemas.openxmlformats.org/presentationml/2006/main" showMasterSp="0">
+<p:sld xmlns:a="http://schemas.openxmlformats.org/drawingml/2006/main" xmlns:r="http://schemas.openxmlformats.org/officeDocument/2006/relationships" xmlns:p="http://schemas.openxmlformats.org/presentationml/2006/main">
   <p:cSld>
     <p:spTree>
       <p:nvGrpSpPr>
@@ -7157,10 +7158,10 @@
       </p:grpSpPr>
       <p:sp>
         <p:nvSpPr>
-          <p:cNvPr id="7" name="Title 6">
+          <p:cNvPr id="2" name="Title 1">
             <a:extLst>
               <a:ext uri="{FF2B5EF4-FFF2-40B4-BE49-F238E27FC236}">
-                <a16:creationId xmlns:a16="http://schemas.microsoft.com/office/drawing/2014/main" id="{540EA621-E235-8B47-B66E-867ECE2DAB10}"/>
+                <a16:creationId xmlns:a16="http://schemas.microsoft.com/office/drawing/2014/main" id="{9DD9A101-F3D5-7C4B-9A11-010F6CC71DD8}"/>
               </a:ext>
             </a:extLst>
           </p:cNvPr>
@@ -7173,26 +7174,29 @@
         </p:nvSpPr>
         <p:spPr>
           <a:xfrm>
-            <a:off x="4572000" y="1655520"/>
-            <a:ext cx="3970330" cy="1527050"/>
+            <a:off x="4419295" y="1960930"/>
+            <a:ext cx="3206805" cy="1221640"/>
           </a:xfrm>
         </p:spPr>
         <p:txBody>
-          <a:bodyPr/>
+          <a:bodyPr>
+            <a:normAutofit/>
+          </a:bodyPr>
           <a:lstStyle/>
           <a:p>
             <a:pPr algn="ctr"/>
             <a:r>
-              <a:rPr lang="en-SA" dirty="0"/>
-              <a:t>Thank you </a:t>
-            </a:r>
+              <a:rPr lang="en-US" sz="4000" dirty="0"/>
+              <a:t>Challenges</a:t>
+            </a:r>
+            <a:endParaRPr lang="en-SA" sz="4000" dirty="0"/>
           </a:p>
         </p:txBody>
       </p:sp>
     </p:spTree>
     <p:extLst>
       <p:ext uri="{BB962C8B-B14F-4D97-AF65-F5344CB8AC3E}">
-        <p14:creationId xmlns:p14="http://schemas.microsoft.com/office/powerpoint/2010/main" val="1297294088"/>
+        <p14:creationId xmlns:p14="http://schemas.microsoft.com/office/powerpoint/2010/main" val="1103315505"/>
       </p:ext>
     </p:extLst>
   </p:cSld>
@@ -7235,16 +7239,33 @@
             <p:ph type="title"/>
           </p:nvPr>
         </p:nvSpPr>
-        <p:spPr/>
+        <p:spPr>
+          <a:xfrm>
+            <a:off x="2510482" y="128470"/>
+            <a:ext cx="6260905" cy="572644"/>
+          </a:xfrm>
+        </p:spPr>
         <p:txBody>
           <a:bodyPr>
-            <a:normAutofit fontScale="90000"/>
+            <a:noAutofit/>
           </a:bodyPr>
           <a:lstStyle/>
           <a:p>
             <a:r>
-              <a:rPr lang="en-SA" dirty="0"/>
-              <a:t>Future Goals:</a:t>
+              <a:rPr lang="en-SA" sz="2400" dirty="0"/>
+              <a:t>Future</a:t>
+            </a:r>
+            <a:r>
+              <a:rPr lang="en-SA" sz="2800" dirty="0"/>
+              <a:t> </a:t>
+            </a:r>
+            <a:r>
+              <a:rPr lang="en-SA" sz="2400" dirty="0"/>
+              <a:t>Goals</a:t>
+            </a:r>
+            <a:r>
+              <a:rPr lang="en-SA" sz="2800" dirty="0"/>
+              <a:t>:</a:t>
             </a:r>
           </a:p>
         </p:txBody>
@@ -7267,8 +7288,8 @@
         </p:nvSpPr>
         <p:spPr>
           <a:xfrm>
-            <a:off x="2434130" y="1197405"/>
-            <a:ext cx="6260905" cy="3512215"/>
+            <a:off x="2317545" y="739290"/>
+            <a:ext cx="6413610" cy="763525"/>
           </a:xfrm>
         </p:spPr>
         <p:txBody>
@@ -7278,24 +7299,124 @@
           <a:lstStyle/>
           <a:p>
             <a:r>
-              <a:rPr lang="en-US" dirty="0"/>
+              <a:rPr lang="en-US" sz="1600" dirty="0"/>
               <a:t>C</a:t>
             </a:r>
             <a:r>
-              <a:rPr lang="en-SA" dirty="0"/>
+              <a:rPr lang="en-SA" sz="1600" dirty="0"/>
               <a:t>omplete the app in shiny for predicting the </a:t>
             </a:r>
             <a:r>
-              <a:rPr lang="en-US" dirty="0"/>
+              <a:rPr lang="en-US" sz="1600" dirty="0"/>
               <a:t>impact of tourism upon economic growth and development.</a:t>
             </a:r>
           </a:p>
         </p:txBody>
       </p:sp>
+      <p:pic>
+        <p:nvPicPr>
+          <p:cNvPr id="4" name="Picture 3">
+            <a:extLst>
+              <a:ext uri="{FF2B5EF4-FFF2-40B4-BE49-F238E27FC236}">
+                <a16:creationId xmlns:a16="http://schemas.microsoft.com/office/drawing/2014/main" id="{F155470A-9333-5547-AD6F-721B468CA577}"/>
+              </a:ext>
+            </a:extLst>
+          </p:cNvPr>
+          <p:cNvPicPr>
+            <a:picLocks noChangeAspect="1"/>
+          </p:cNvPicPr>
+          <p:nvPr/>
+        </p:nvPicPr>
+        <p:blipFill>
+          <a:blip r:embed="rId2">
+            <a:extLst>
+              <a:ext uri="{28A0092B-C50C-407E-A947-70E740481C1C}">
+                <a14:useLocalDpi xmlns:a14="http://schemas.microsoft.com/office/drawing/2010/main" val="0"/>
+              </a:ext>
+            </a:extLst>
+          </a:blip>
+          <a:stretch>
+            <a:fillRect/>
+          </a:stretch>
+        </p:blipFill>
+        <p:spPr>
+          <a:xfrm>
+            <a:off x="3081070" y="1313904"/>
+            <a:ext cx="4886560" cy="3701126"/>
+          </a:xfrm>
+          <a:prstGeom prst="rect">
+            <a:avLst/>
+          </a:prstGeom>
+        </p:spPr>
+      </p:pic>
     </p:spTree>
     <p:extLst>
       <p:ext uri="{BB962C8B-B14F-4D97-AF65-F5344CB8AC3E}">
         <p14:creationId xmlns:p14="http://schemas.microsoft.com/office/powerpoint/2010/main" val="111966981"/>
+      </p:ext>
+    </p:extLst>
+  </p:cSld>
+  <p:clrMapOvr>
+    <a:masterClrMapping/>
+  </p:clrMapOvr>
+</p:sld>
+</file>
+
+<file path=ppt/slides/slide13.xml><?xml version="1.0" encoding="utf-8"?>
+<p:sld xmlns:a="http://schemas.openxmlformats.org/drawingml/2006/main" xmlns:r="http://schemas.openxmlformats.org/officeDocument/2006/relationships" xmlns:p="http://schemas.openxmlformats.org/presentationml/2006/main" showMasterSp="0">
+  <p:cSld>
+    <p:spTree>
+      <p:nvGrpSpPr>
+        <p:cNvPr id="1" name=""/>
+        <p:cNvGrpSpPr/>
+        <p:nvPr/>
+      </p:nvGrpSpPr>
+      <p:grpSpPr>
+        <a:xfrm>
+          <a:off x="0" y="0"/>
+          <a:ext cx="0" cy="0"/>
+          <a:chOff x="0" y="0"/>
+          <a:chExt cx="0" cy="0"/>
+        </a:xfrm>
+      </p:grpSpPr>
+      <p:sp>
+        <p:nvSpPr>
+          <p:cNvPr id="7" name="Title 6">
+            <a:extLst>
+              <a:ext uri="{FF2B5EF4-FFF2-40B4-BE49-F238E27FC236}">
+                <a16:creationId xmlns:a16="http://schemas.microsoft.com/office/drawing/2014/main" id="{540EA621-E235-8B47-B66E-867ECE2DAB10}"/>
+              </a:ext>
+            </a:extLst>
+          </p:cNvPr>
+          <p:cNvSpPr>
+            <a:spLocks noGrp="1"/>
+          </p:cNvSpPr>
+          <p:nvPr>
+            <p:ph type="ctrTitle"/>
+          </p:nvPr>
+        </p:nvSpPr>
+        <p:spPr>
+          <a:xfrm>
+            <a:off x="4572000" y="1655520"/>
+            <a:ext cx="3970330" cy="1527050"/>
+          </a:xfrm>
+        </p:spPr>
+        <p:txBody>
+          <a:bodyPr/>
+          <a:lstStyle/>
+          <a:p>
+            <a:pPr algn="ctr"/>
+            <a:r>
+              <a:rPr lang="en-SA" dirty="0"/>
+              <a:t>Thank you </a:t>
+            </a:r>
+          </a:p>
+        </p:txBody>
+      </p:sp>
+    </p:spTree>
+    <p:extLst>
+      <p:ext uri="{BB962C8B-B14F-4D97-AF65-F5344CB8AC3E}">
+        <p14:creationId xmlns:p14="http://schemas.microsoft.com/office/powerpoint/2010/main" val="1297294088"/>
       </p:ext>
     </p:extLst>
   </p:cSld>
@@ -7358,7 +7479,9 @@
         </p:nvSpPr>
         <p:spPr/>
         <p:txBody>
-          <a:bodyPr/>
+          <a:bodyPr>
+            <a:normAutofit/>
+          </a:bodyPr>
           <a:lstStyle/>
           <a:p>
             <a:r>
@@ -7375,13 +7498,19 @@
           <a:p>
             <a:r>
               <a:rPr lang="en-US" dirty="0"/>
+              <a:t>Process</a:t>
+            </a:r>
+          </a:p>
+          <a:p>
+            <a:r>
+              <a:rPr lang="en-US" dirty="0"/>
               <a:t>Challenges</a:t>
             </a:r>
           </a:p>
           <a:p>
             <a:r>
               <a:rPr lang="en-US" dirty="0"/>
-              <a:t>Process</a:t>
+              <a:t>Future Goal</a:t>
             </a:r>
           </a:p>
           <a:p>
@@ -7441,7 +7570,12 @@
             <p:ph type="title"/>
           </p:nvPr>
         </p:nvSpPr>
-        <p:spPr/>
+        <p:spPr>
+          <a:xfrm>
+            <a:off x="2434130" y="128470"/>
+            <a:ext cx="6260905" cy="1068936"/>
+          </a:xfrm>
+        </p:spPr>
         <p:txBody>
           <a:bodyPr>
             <a:normAutofit fontScale="90000"/>
@@ -7449,14 +7583,13 @@
           <a:lstStyle/>
           <a:p>
             <a:r>
+              <a:rPr lang="en-US" sz="3100" dirty="0"/>
+              <a:t>Tourism and Economic Development in </a:t>
+            </a:r>
+            <a:r>
               <a:rPr lang="en-US" dirty="0"/>
-              <a:t>Unemployment rate in Saudi </a:t>
-            </a:r>
-            <a:r>
-              <a:rPr lang="en-US" dirty="0" err="1"/>
-              <a:t>arabia</a:t>
-            </a:r>
-            <a:endParaRPr lang="en-US" dirty="0"/>
+              <a:t>Saudi Arabia</a:t>
+            </a:r>
           </a:p>
         </p:txBody>
       </p:sp>
@@ -7666,7 +7799,12 @@
             <p:ph type="title"/>
           </p:nvPr>
         </p:nvSpPr>
-        <p:spPr/>
+        <p:spPr>
+          <a:xfrm>
+            <a:off x="2434130" y="891995"/>
+            <a:ext cx="6260905" cy="572644"/>
+          </a:xfrm>
+        </p:spPr>
         <p:txBody>
           <a:bodyPr>
             <a:normAutofit fontScale="90000"/>
@@ -7698,8 +7836,8 @@
         </p:nvSpPr>
         <p:spPr>
           <a:xfrm>
-            <a:off x="2434130" y="1350110"/>
-            <a:ext cx="5650085" cy="2747537"/>
+            <a:off x="2434130" y="1808225"/>
+            <a:ext cx="6108200" cy="2901395"/>
           </a:xfrm>
         </p:spPr>
         <p:txBody>
@@ -7710,31 +7848,82 @@
           <a:p>
             <a:r>
               <a:rPr lang="en-US" dirty="0">
-                <a:hlinkClick r:id="rId3"/>
+                <a:solidFill>
+                  <a:schemeClr val="accent3">
+                    <a:lumMod val="50000"/>
+                  </a:schemeClr>
+                </a:solidFill>
+                <a:hlinkClick r:id="rId3">
+                  <a:extLst>
+                    <a:ext uri="{A12FA001-AC4F-418D-AE19-62706E023703}">
+                      <ahyp:hlinkClr xmlns:ahyp="http://schemas.microsoft.com/office/drawing/2018/hyperlinkcolor" val="tx"/>
+                    </a:ext>
+                  </a:extLst>
+                </a:hlinkClick>
               </a:rPr>
               <a:t>The General Authority for Statistics GASTAT</a:t>
             </a:r>
-            <a:endParaRPr lang="en-US" dirty="0"/>
+            <a:endParaRPr lang="en-US" dirty="0">
+              <a:solidFill>
+                <a:schemeClr val="accent3">
+                  <a:lumMod val="50000"/>
+                </a:schemeClr>
+              </a:solidFill>
+            </a:endParaRPr>
           </a:p>
           <a:p>
             <a:pPr fontAlgn="base"/>
             <a:r>
               <a:rPr lang="en-US" dirty="0">
-                <a:hlinkClick r:id="rId4"/>
+                <a:solidFill>
+                  <a:schemeClr val="accent3">
+                    <a:lumMod val="50000"/>
+                  </a:schemeClr>
+                </a:solidFill>
+                <a:hlinkClick r:id="rId4">
+                  <a:extLst>
+                    <a:ext uri="{A12FA001-AC4F-418D-AE19-62706E023703}">
+                      <ahyp:hlinkClr xmlns:ahyp="http://schemas.microsoft.com/office/drawing/2018/hyperlinkcolor" val="tx"/>
+                    </a:ext>
+                  </a:extLst>
+                </a:hlinkClick>
               </a:rPr>
               <a:t>Short Term Business Statistics</a:t>
             </a:r>
-            <a:endParaRPr lang="en-US" dirty="0"/>
+            <a:endParaRPr lang="en-US" dirty="0">
+              <a:solidFill>
+                <a:schemeClr val="accent3">
+                  <a:lumMod val="50000"/>
+                </a:schemeClr>
+              </a:solidFill>
+            </a:endParaRPr>
           </a:p>
           <a:p>
             <a:pPr fontAlgn="base"/>
             <a:r>
               <a:rPr lang="en-US" dirty="0">
-                <a:hlinkClick r:id="rId5"/>
+                <a:solidFill>
+                  <a:schemeClr val="accent3">
+                    <a:lumMod val="50000"/>
+                  </a:schemeClr>
+                </a:solidFill>
+                <a:hlinkClick r:id="rId5">
+                  <a:extLst>
+                    <a:ext uri="{A12FA001-AC4F-418D-AE19-62706E023703}">
+                      <ahyp:hlinkClr xmlns:ahyp="http://schemas.microsoft.com/office/drawing/2018/hyperlinkcolor" val="tx"/>
+                    </a:ext>
+                  </a:extLst>
+                </a:hlinkClick>
               </a:rPr>
               <a:t>Tourism Establishments Survey</a:t>
             </a:r>
-            <a:endParaRPr lang="en-US" dirty="0"/>
+            <a:endParaRPr lang="en-US" dirty="0">
+              <a:solidFill>
+                <a:schemeClr val="accent3">
+                  <a:lumMod val="50000"/>
+                </a:schemeClr>
+              </a:solidFill>
+            </a:endParaRPr>
           </a:p>
         </p:txBody>
       </p:sp>
@@ -8106,45 +8295,7 @@
         </p:blipFill>
         <p:spPr>
           <a:xfrm>
-            <a:off x="-1" y="1673638"/>
-            <a:ext cx="4419295" cy="2726395"/>
-          </a:xfrm>
-          <a:prstGeom prst="rect">
-            <a:avLst/>
-          </a:prstGeom>
-        </p:spPr>
-      </p:pic>
-      <p:pic>
-        <p:nvPicPr>
-          <p:cNvPr id="7" name="Content Placeholder 6">
-            <a:extLst>
-              <a:ext uri="{FF2B5EF4-FFF2-40B4-BE49-F238E27FC236}">
-                <a16:creationId xmlns:a16="http://schemas.microsoft.com/office/drawing/2014/main" id="{47ADD7F6-022B-824E-8861-CDD6BCB315E5}"/>
-              </a:ext>
-            </a:extLst>
-          </p:cNvPr>
-          <p:cNvPicPr>
-            <a:picLocks noGrp="1" noChangeAspect="1"/>
-          </p:cNvPicPr>
-          <p:nvPr>
-            <p:ph sz="quarter" idx="4"/>
-          </p:nvPr>
-        </p:nvPicPr>
-        <p:blipFill>
-          <a:blip r:embed="rId3">
-            <a:extLst>
-              <a:ext uri="{28A0092B-C50C-407E-A947-70E740481C1C}">
-                <a14:useLocalDpi xmlns:a14="http://schemas.microsoft.com/office/drawing/2010/main" val="0"/>
-              </a:ext>
-            </a:extLst>
-          </a:blip>
-          <a:stretch>
-            <a:fillRect/>
-          </a:stretch>
-        </p:blipFill>
-        <p:spPr>
-          <a:xfrm>
-            <a:off x="4723125" y="1759028"/>
+            <a:off x="1823310" y="1655520"/>
             <a:ext cx="4419295" cy="2726395"/>
           </a:xfrm>
           <a:prstGeom prst="rect">
